--- a/Assignments/Senior_Design_2/Assignment_3/AotB_Presentation.pptx
+++ b/Assignments/Senior_Design_2/Assignment_3/AotB_Presentation.pptx
@@ -271,7 +271,7 @@
           <a:p>
             <a:fld id="{D959B656-8090-4B17-964E-3A46D8B1A6EC}" type="datetimeFigureOut">
               <a:rPr lang="en-US" smtClean="0"/>
-              <a:t>4/3/2020</a:t>
+              <a:t>4/13/2020</a:t>
             </a:fld>
             <a:endParaRPr lang="en-US"/>
           </a:p>
@@ -469,7 +469,7 @@
           <a:p>
             <a:fld id="{D959B656-8090-4B17-964E-3A46D8B1A6EC}" type="datetimeFigureOut">
               <a:rPr lang="en-US" smtClean="0"/>
-              <a:t>4/3/2020</a:t>
+              <a:t>4/13/2020</a:t>
             </a:fld>
             <a:endParaRPr lang="en-US"/>
           </a:p>
@@ -677,7 +677,7 @@
           <a:p>
             <a:fld id="{D959B656-8090-4B17-964E-3A46D8B1A6EC}" type="datetimeFigureOut">
               <a:rPr lang="en-US" smtClean="0"/>
-              <a:t>4/3/2020</a:t>
+              <a:t>4/13/2020</a:t>
             </a:fld>
             <a:endParaRPr lang="en-US"/>
           </a:p>
@@ -845,7 +845,7 @@
           <a:effectLst/>
           <a:extLst>
             <a:ext uri="{91240B29-F687-4f45-9708-019B960494DF}">
-              <a14:hiddenLine xmlns:a14="http://schemas.microsoft.com/office/drawing/2010/main" xmlns="" w="9525">
+              <a14:hiddenLine xmlns="" xmlns:a14="http://schemas.microsoft.com/office/drawing/2010/main" w="9525">
                 <a:solidFill>
                   <a:srgbClr val="000000"/>
                 </a:solidFill>
@@ -1037,7 +1037,7 @@
           <a:p>
             <a:fld id="{BA2A37DC-D652-4321-B071-8DB855122464}" type="datetimeFigureOut">
               <a:rPr lang="en-US" smtClean="0"/>
-              <a:t>4/3/2020</a:t>
+              <a:t>4/13/2020</a:t>
             </a:fld>
             <a:endParaRPr lang="en-US"/>
           </a:p>
@@ -1192,7 +1192,7 @@
           <a:ln/>
           <a:extLst>
             <a:ext uri="{91240B29-F687-4f45-9708-019B960494DF}">
-              <a14:hiddenLine xmlns:a14="http://schemas.microsoft.com/office/drawing/2010/main" xmlns="" w="9525">
+              <a14:hiddenLine xmlns="" xmlns:a14="http://schemas.microsoft.com/office/drawing/2010/main" w="9525">
                 <a:solidFill>
                   <a:srgbClr val="000000"/>
                 </a:solidFill>
@@ -1320,7 +1320,7 @@
           <a:p>
             <a:fld id="{BA2A37DC-D652-4321-B071-8DB855122464}" type="datetimeFigureOut">
               <a:rPr lang="en-US" smtClean="0"/>
-              <a:t>4/3/2020</a:t>
+              <a:t>4/13/2020</a:t>
             </a:fld>
             <a:endParaRPr lang="en-US"/>
           </a:p>
@@ -1663,7 +1663,7 @@
           <a:p>
             <a:fld id="{BA2A37DC-D652-4321-B071-8DB855122464}" type="datetimeFigureOut">
               <a:rPr lang="en-US" smtClean="0"/>
-              <a:t>4/3/2020</a:t>
+              <a:t>4/13/2020</a:t>
             </a:fld>
             <a:endParaRPr lang="en-US"/>
           </a:p>
@@ -1818,7 +1818,7 @@
           <a:ln/>
           <a:extLst>
             <a:ext uri="{91240B29-F687-4f45-9708-019B960494DF}">
-              <a14:hiddenLine xmlns:a14="http://schemas.microsoft.com/office/drawing/2010/main" xmlns="" w="9525">
+              <a14:hiddenLine xmlns="" xmlns:a14="http://schemas.microsoft.com/office/drawing/2010/main" w="9525">
                 <a:solidFill>
                   <a:srgbClr val="000000"/>
                 </a:solidFill>
@@ -2002,7 +2002,7 @@
           <a:p>
             <a:fld id="{BA2A37DC-D652-4321-B071-8DB855122464}" type="datetimeFigureOut">
               <a:rPr lang="en-US" smtClean="0"/>
-              <a:t>4/3/2020</a:t>
+              <a:t>4/13/2020</a:t>
             </a:fld>
             <a:endParaRPr lang="en-US"/>
           </a:p>
@@ -2157,7 +2157,7 @@
           <a:ln/>
           <a:extLst>
             <a:ext uri="{91240B29-F687-4f45-9708-019B960494DF}">
-              <a14:hiddenLine xmlns:a14="http://schemas.microsoft.com/office/drawing/2010/main" xmlns="" w="9525">
+              <a14:hiddenLine xmlns="" xmlns:a14="http://schemas.microsoft.com/office/drawing/2010/main" w="9525">
                 <a:solidFill>
                   <a:srgbClr val="000000"/>
                 </a:solidFill>
@@ -2479,7 +2479,7 @@
           <a:p>
             <a:fld id="{BA2A37DC-D652-4321-B071-8DB855122464}" type="datetimeFigureOut">
               <a:rPr lang="en-US" smtClean="0"/>
-              <a:t>4/3/2020</a:t>
+              <a:t>4/13/2020</a:t>
             </a:fld>
             <a:endParaRPr lang="en-US"/>
           </a:p>
@@ -2634,7 +2634,7 @@
           <a:ln/>
           <a:extLst>
             <a:ext uri="{91240B29-F687-4f45-9708-019B960494DF}">
-              <a14:hiddenLine xmlns:a14="http://schemas.microsoft.com/office/drawing/2010/main" xmlns="" w="9525">
+              <a14:hiddenLine xmlns="" xmlns:a14="http://schemas.microsoft.com/office/drawing/2010/main" w="9525">
                 <a:solidFill>
                   <a:srgbClr val="000000"/>
                 </a:solidFill>
@@ -2700,7 +2700,7 @@
           <a:p>
             <a:fld id="{BA2A37DC-D652-4321-B071-8DB855122464}" type="datetimeFigureOut">
               <a:rPr lang="en-US" smtClean="0"/>
-              <a:t>4/3/2020</a:t>
+              <a:t>4/13/2020</a:t>
             </a:fld>
             <a:endParaRPr lang="en-US"/>
           </a:p>
@@ -2795,7 +2795,7 @@
           <a:p>
             <a:fld id="{BA2A37DC-D652-4321-B071-8DB855122464}" type="datetimeFigureOut">
               <a:rPr lang="en-US" smtClean="0"/>
-              <a:t>4/3/2020</a:t>
+              <a:t>4/13/2020</a:t>
             </a:fld>
             <a:endParaRPr lang="en-US"/>
           </a:p>
@@ -3063,7 +3063,7 @@
           <a:ln/>
           <a:extLst>
             <a:ext uri="{91240B29-F687-4f45-9708-019B960494DF}">
-              <a14:hiddenLine xmlns:a14="http://schemas.microsoft.com/office/drawing/2010/main" xmlns="" w="9525">
+              <a14:hiddenLine xmlns="" xmlns:a14="http://schemas.microsoft.com/office/drawing/2010/main" w="9525">
                 <a:solidFill>
                   <a:srgbClr val="000000"/>
                 </a:solidFill>
@@ -3262,7 +3262,7 @@
           <a:p>
             <a:fld id="{BA2A37DC-D652-4321-B071-8DB855122464}" type="datetimeFigureOut">
               <a:rPr lang="en-US" smtClean="0"/>
-              <a:t>4/3/2020</a:t>
+              <a:t>4/13/2020</a:t>
             </a:fld>
             <a:endParaRPr lang="en-US"/>
           </a:p>
@@ -3448,7 +3448,7 @@
           <a:p>
             <a:fld id="{D959B656-8090-4B17-964E-3A46D8B1A6EC}" type="datetimeFigureOut">
               <a:rPr lang="en-US" smtClean="0"/>
-              <a:t>4/3/2020</a:t>
+              <a:t>4/13/2020</a:t>
             </a:fld>
             <a:endParaRPr lang="en-US"/>
           </a:p>
@@ -3773,7 +3773,7 @@
           <a:p>
             <a:fld id="{BA2A37DC-D652-4321-B071-8DB855122464}" type="datetimeFigureOut">
               <a:rPr lang="en-US" smtClean="0"/>
-              <a:t>4/3/2020</a:t>
+              <a:t>4/13/2020</a:t>
             </a:fld>
             <a:endParaRPr lang="en-US"/>
           </a:p>
@@ -4101,7 +4101,7 @@
           <a:p>
             <a:fld id="{BA2A37DC-D652-4321-B071-8DB855122464}" type="datetimeFigureOut">
               <a:rPr lang="en-US" smtClean="0"/>
-              <a:t>4/3/2020</a:t>
+              <a:t>4/13/2020</a:t>
             </a:fld>
             <a:endParaRPr lang="en-US"/>
           </a:p>
@@ -4589,7 +4589,7 @@
           <a:p>
             <a:fld id="{BA2A37DC-D652-4321-B071-8DB855122464}" type="datetimeFigureOut">
               <a:rPr lang="en-US" smtClean="0"/>
-              <a:t>4/3/2020</a:t>
+              <a:t>4/13/2020</a:t>
             </a:fld>
             <a:endParaRPr lang="en-US"/>
           </a:p>
@@ -4958,7 +4958,7 @@
           <a:p>
             <a:fld id="{BA2A37DC-D652-4321-B071-8DB855122464}" type="datetimeFigureOut">
               <a:rPr lang="en-US" smtClean="0"/>
-              <a:t>4/3/2020</a:t>
+              <a:t>4/13/2020</a:t>
             </a:fld>
             <a:endParaRPr lang="en-US"/>
           </a:p>
@@ -5113,7 +5113,7 @@
           <a:ln/>
           <a:extLst>
             <a:ext uri="{91240B29-F687-4f45-9708-019B960494DF}">
-              <a14:hiddenLine xmlns:a14="http://schemas.microsoft.com/office/drawing/2010/main" xmlns="" w="9525">
+              <a14:hiddenLine xmlns="" xmlns:a14="http://schemas.microsoft.com/office/drawing/2010/main" w="9525">
                 <a:solidFill>
                   <a:srgbClr val="000000"/>
                 </a:solidFill>
@@ -5231,7 +5231,7 @@
           <a:p>
             <a:fld id="{BA2A37DC-D652-4321-B071-8DB855122464}" type="datetimeFigureOut">
               <a:rPr lang="en-US" smtClean="0"/>
-              <a:t>4/3/2020</a:t>
+              <a:t>4/13/2020</a:t>
             </a:fld>
             <a:endParaRPr lang="en-US"/>
           </a:p>
@@ -5388,7 +5388,7 @@
           <a:ln/>
           <a:extLst>
             <a:ext uri="{91240B29-F687-4f45-9708-019B960494DF}">
-              <a14:hiddenLine xmlns:a14="http://schemas.microsoft.com/office/drawing/2010/main" xmlns="" w="9525">
+              <a14:hiddenLine xmlns="" xmlns:a14="http://schemas.microsoft.com/office/drawing/2010/main" w="9525">
                 <a:solidFill>
                   <a:srgbClr val="000000"/>
                 </a:solidFill>
@@ -5516,7 +5516,7 @@
           <a:p>
             <a:fld id="{BA2A37DC-D652-4321-B071-8DB855122464}" type="datetimeFigureOut">
               <a:rPr lang="en-US" smtClean="0"/>
-              <a:t>4/3/2020</a:t>
+              <a:t>4/13/2020</a:t>
             </a:fld>
             <a:endParaRPr lang="en-US"/>
           </a:p>
@@ -5779,7 +5779,7 @@
           <a:p>
             <a:fld id="{D959B656-8090-4B17-964E-3A46D8B1A6EC}" type="datetimeFigureOut">
               <a:rPr lang="en-US" smtClean="0"/>
-              <a:t>4/3/2020</a:t>
+              <a:t>4/13/2020</a:t>
             </a:fld>
             <a:endParaRPr lang="en-US"/>
           </a:p>
@@ -6044,7 +6044,7 @@
           <a:p>
             <a:fld id="{D959B656-8090-4B17-964E-3A46D8B1A6EC}" type="datetimeFigureOut">
               <a:rPr lang="en-US" smtClean="0"/>
-              <a:t>4/3/2020</a:t>
+              <a:t>4/13/2020</a:t>
             </a:fld>
             <a:endParaRPr lang="en-US"/>
           </a:p>
@@ -6456,7 +6456,7 @@
           <a:p>
             <a:fld id="{D959B656-8090-4B17-964E-3A46D8B1A6EC}" type="datetimeFigureOut">
               <a:rPr lang="en-US" smtClean="0"/>
-              <a:t>4/3/2020</a:t>
+              <a:t>4/13/2020</a:t>
             </a:fld>
             <a:endParaRPr lang="en-US"/>
           </a:p>
@@ -6597,7 +6597,7 @@
           <a:p>
             <a:fld id="{D959B656-8090-4B17-964E-3A46D8B1A6EC}" type="datetimeFigureOut">
               <a:rPr lang="en-US" smtClean="0"/>
-              <a:t>4/3/2020</a:t>
+              <a:t>4/13/2020</a:t>
             </a:fld>
             <a:endParaRPr lang="en-US"/>
           </a:p>
@@ -6710,7 +6710,7 @@
           <a:p>
             <a:fld id="{D959B656-8090-4B17-964E-3A46D8B1A6EC}" type="datetimeFigureOut">
               <a:rPr lang="en-US" smtClean="0"/>
-              <a:t>4/3/2020</a:t>
+              <a:t>4/13/2020</a:t>
             </a:fld>
             <a:endParaRPr lang="en-US"/>
           </a:p>
@@ -7021,7 +7021,7 @@
           <a:p>
             <a:fld id="{D959B656-8090-4B17-964E-3A46D8B1A6EC}" type="datetimeFigureOut">
               <a:rPr lang="en-US" smtClean="0"/>
-              <a:t>4/3/2020</a:t>
+              <a:t>4/13/2020</a:t>
             </a:fld>
             <a:endParaRPr lang="en-US"/>
           </a:p>
@@ -7309,7 +7309,7 @@
           <a:p>
             <a:fld id="{D959B656-8090-4B17-964E-3A46D8B1A6EC}" type="datetimeFigureOut">
               <a:rPr lang="en-US" smtClean="0"/>
-              <a:t>4/3/2020</a:t>
+              <a:t>4/13/2020</a:t>
             </a:fld>
             <a:endParaRPr lang="en-US"/>
           </a:p>
@@ -7550,7 +7550,7 @@
           <a:p>
             <a:fld id="{D959B656-8090-4B17-964E-3A46D8B1A6EC}" type="datetimeFigureOut">
               <a:rPr lang="en-US" smtClean="0"/>
-              <a:t>4/3/2020</a:t>
+              <a:t>4/13/2020</a:t>
             </a:fld>
             <a:endParaRPr lang="en-US"/>
           </a:p>
@@ -8149,7 +8149,7 @@
           <a:p>
             <a:fld id="{BA2A37DC-D652-4321-B071-8DB855122464}" type="datetimeFigureOut">
               <a:rPr lang="en-US" smtClean="0"/>
-              <a:t>4/3/2020</a:t>
+              <a:t>4/13/2020</a:t>
             </a:fld>
             <a:endParaRPr lang="en-US"/>
           </a:p>
@@ -8708,16 +8708,16 @@
             <a:picLocks noChangeAspect="1"/>
           </p:cNvPicPr>
           <p:nvPr>
-            <a:audioFile r:link="rId2"/>
+            <a:audioFile r:link="rId3"/>
             <p:extLst>
               <p:ext uri="{DAA4B4D4-6D71-4841-9C94-3DE7FCFB9230}">
-                <p14:media xmlns:p14="http://schemas.microsoft.com/office/powerpoint/2010/main" r:embed="rId1"/>
+                <p14:media xmlns:p14="http://schemas.microsoft.com/office/powerpoint/2010/main" r:embed="rId2"/>
               </p:ext>
             </p:extLst>
           </p:nvPr>
         </p:nvPicPr>
         <p:blipFill>
-          <a:blip r:embed="rId4"/>
+          <a:blip r:embed="rId5"/>
           <a:stretch>
             <a:fillRect/>
           </a:stretch>
@@ -8760,80 +8760,69 @@
           </a:p>
         </p:txBody>
       </p:sp>
-      <p:pic>
-        <p:nvPicPr>
-          <p:cNvPr id="7" name="Content Placeholder 6">
+      <p:graphicFrame>
+        <p:nvGraphicFramePr>
+          <p:cNvPr id="11" name="Object 10">
             <a:extLst>
               <a:ext uri="{FF2B5EF4-FFF2-40B4-BE49-F238E27FC236}">
-                <a16:creationId xmlns:a16="http://schemas.microsoft.com/office/drawing/2014/main" id="{4D5FCB9A-809D-4806-B246-865D5F928187}"/>
+                <a16:creationId xmlns:a16="http://schemas.microsoft.com/office/drawing/2014/main" id="{55C08C6C-C3E3-4562-BC59-BAEE32F773BE}"/>
               </a:ext>
             </a:extLst>
           </p:cNvPr>
-          <p:cNvPicPr>
-            <a:picLocks noGrp="1" noChangeAspect="1"/>
-          </p:cNvPicPr>
-          <p:nvPr>
-            <p:ph idx="1"/>
-          </p:nvPr>
-        </p:nvPicPr>
-        <p:blipFill>
-          <a:blip r:embed="rId5"/>
-          <a:stretch>
-            <a:fillRect/>
-          </a:stretch>
-        </p:blipFill>
-        <p:spPr>
-          <a:xfrm>
-            <a:off x="1055508" y="2265817"/>
-            <a:ext cx="10080983" cy="4341070"/>
-          </a:xfrm>
-          <a:prstGeom prst="rect">
-            <a:avLst/>
-          </a:prstGeom>
-        </p:spPr>
-      </p:pic>
-      <p:sp>
-        <p:nvSpPr>
-          <p:cNvPr id="5" name="TextBox 4">
-            <a:extLst>
-              <a:ext uri="{FF2B5EF4-FFF2-40B4-BE49-F238E27FC236}">
-                <a16:creationId xmlns:a16="http://schemas.microsoft.com/office/drawing/2014/main" id="{DD32BBE5-E324-4367-88C5-77032D20153D}"/>
-              </a:ext>
-            </a:extLst>
-          </p:cNvPr>
-          <p:cNvSpPr txBox="1"/>
-          <p:nvPr/>
-        </p:nvSpPr>
-        <p:spPr>
-          <a:xfrm rot="17036440">
-            <a:off x="6860452" y="4353725"/>
-            <a:ext cx="4210214" cy="338554"/>
-          </a:xfrm>
-          <a:prstGeom prst="rect">
-            <a:avLst/>
-          </a:prstGeom>
-          <a:noFill/>
-        </p:spPr>
-        <p:txBody>
-          <a:bodyPr wrap="square" rtlCol="0">
-            <a:spAutoFit/>
-          </a:bodyPr>
-          <a:lstStyle/>
-          <a:p>
-            <a:r>
-              <a:rPr lang="en-US" sz="1600" b="1" dirty="0">
-                <a:solidFill>
-                  <a:schemeClr val="bg1">
-                    <a:lumMod val="75000"/>
-                    <a:lumOff val="25000"/>
-                  </a:schemeClr>
-                </a:solidFill>
-              </a:rPr>
-              <a:t>Dates Are Outdated and will Be Updated</a:t>
-            </a:r>
-          </a:p>
-        </p:txBody>
-      </p:sp>
+          <p:cNvGraphicFramePr>
+            <a:graphicFrameLocks noChangeAspect="1"/>
+          </p:cNvGraphicFramePr>
+          <p:nvPr>
+            <p:extLst>
+              <p:ext uri="{D42A27DB-BD31-4B8C-83A1-F6EECF244321}">
+                <p14:modId xmlns:p14="http://schemas.microsoft.com/office/powerpoint/2010/main" val="4118023028"/>
+              </p:ext>
+            </p:extLst>
+          </p:nvPr>
+        </p:nvGraphicFramePr>
+        <p:xfrm>
+          <a:off x="1680104" y="2264620"/>
+          <a:ext cx="8831792" cy="4357573"/>
+        </p:xfrm>
+        <a:graphic>
+          <a:graphicData uri="http://schemas.openxmlformats.org/presentationml/2006/ole">
+            <mc:AlternateContent xmlns:mc="http://schemas.openxmlformats.org/markup-compatibility/2006">
+              <mc:Choice xmlns:v="urn:schemas-microsoft-com:vml" Requires="v">
+                <p:oleObj spid="_x0000_s1025" name="Worksheet" r:id="rId6" imgW="10096462" imgH="4981700" progId="Excel.Sheet.12">
+                  <p:embed/>
+                </p:oleObj>
+              </mc:Choice>
+              <mc:Fallback>
+                <p:oleObj name="Worksheet" r:id="rId6" imgW="10096462" imgH="4981700" progId="Excel.Sheet.12">
+                  <p:embed/>
+                  <p:pic>
+                    <p:nvPicPr>
+                      <p:cNvPr id="0" name=""/>
+                      <p:cNvPicPr/>
+                      <p:nvPr/>
+                    </p:nvPicPr>
+                    <p:blipFill>
+                      <a:blip r:embed="rId7"/>
+                      <a:stretch>
+                        <a:fillRect/>
+                      </a:stretch>
+                    </p:blipFill>
+                    <p:spPr>
+                      <a:xfrm>
+                        <a:off x="1680104" y="2264620"/>
+                        <a:ext cx="8831792" cy="4357573"/>
+                      </a:xfrm>
+                      <a:prstGeom prst="rect">
+                        <a:avLst/>
+                      </a:prstGeom>
+                    </p:spPr>
+                  </p:pic>
+                </p:oleObj>
+              </mc:Fallback>
+            </mc:AlternateContent>
+          </a:graphicData>
+        </a:graphic>
+      </p:graphicFrame>
     </p:spTree>
     <p:extLst>
       <p:ext uri="{BB962C8B-B14F-4D97-AF65-F5344CB8AC3E}">
